--- a/Figures/Figure_4.pptx
+++ b/Figures/Figure_4.pptx
@@ -243,7 +243,7 @@
           <a:p>
             <a:fld id="{75D42D30-EA87-4DC3-A5C3-B88A9A7EAA0D}" type="datetimeFigureOut">
               <a:rPr lang="en-US" smtClean="0"/>
-              <a:t>9/9/2025</a:t>
+              <a:t>9/28/2025</a:t>
             </a:fld>
             <a:endParaRPr lang="en-US"/>
           </a:p>
@@ -413,7 +413,7 @@
           <a:p>
             <a:fld id="{75D42D30-EA87-4DC3-A5C3-B88A9A7EAA0D}" type="datetimeFigureOut">
               <a:rPr lang="en-US" smtClean="0"/>
-              <a:t>9/9/2025</a:t>
+              <a:t>9/28/2025</a:t>
             </a:fld>
             <a:endParaRPr lang="en-US"/>
           </a:p>
@@ -593,7 +593,7 @@
           <a:p>
             <a:fld id="{75D42D30-EA87-4DC3-A5C3-B88A9A7EAA0D}" type="datetimeFigureOut">
               <a:rPr lang="en-US" smtClean="0"/>
-              <a:t>9/9/2025</a:t>
+              <a:t>9/28/2025</a:t>
             </a:fld>
             <a:endParaRPr lang="en-US"/>
           </a:p>
@@ -763,7 +763,7 @@
           <a:p>
             <a:fld id="{75D42D30-EA87-4DC3-A5C3-B88A9A7EAA0D}" type="datetimeFigureOut">
               <a:rPr lang="en-US" smtClean="0"/>
-              <a:t>9/9/2025</a:t>
+              <a:t>9/28/2025</a:t>
             </a:fld>
             <a:endParaRPr lang="en-US"/>
           </a:p>
@@ -1009,7 +1009,7 @@
           <a:p>
             <a:fld id="{75D42D30-EA87-4DC3-A5C3-B88A9A7EAA0D}" type="datetimeFigureOut">
               <a:rPr lang="en-US" smtClean="0"/>
-              <a:t>9/9/2025</a:t>
+              <a:t>9/28/2025</a:t>
             </a:fld>
             <a:endParaRPr lang="en-US"/>
           </a:p>
@@ -1241,7 +1241,7 @@
           <a:p>
             <a:fld id="{75D42D30-EA87-4DC3-A5C3-B88A9A7EAA0D}" type="datetimeFigureOut">
               <a:rPr lang="en-US" smtClean="0"/>
-              <a:t>9/9/2025</a:t>
+              <a:t>9/28/2025</a:t>
             </a:fld>
             <a:endParaRPr lang="en-US"/>
           </a:p>
@@ -1608,7 +1608,7 @@
           <a:p>
             <a:fld id="{75D42D30-EA87-4DC3-A5C3-B88A9A7EAA0D}" type="datetimeFigureOut">
               <a:rPr lang="en-US" smtClean="0"/>
-              <a:t>9/9/2025</a:t>
+              <a:t>9/28/2025</a:t>
             </a:fld>
             <a:endParaRPr lang="en-US"/>
           </a:p>
@@ -1726,7 +1726,7 @@
           <a:p>
             <a:fld id="{75D42D30-EA87-4DC3-A5C3-B88A9A7EAA0D}" type="datetimeFigureOut">
               <a:rPr lang="en-US" smtClean="0"/>
-              <a:t>9/9/2025</a:t>
+              <a:t>9/28/2025</a:t>
             </a:fld>
             <a:endParaRPr lang="en-US"/>
           </a:p>
@@ -1821,7 +1821,7 @@
           <a:p>
             <a:fld id="{75D42D30-EA87-4DC3-A5C3-B88A9A7EAA0D}" type="datetimeFigureOut">
               <a:rPr lang="en-US" smtClean="0"/>
-              <a:t>9/9/2025</a:t>
+              <a:t>9/28/2025</a:t>
             </a:fld>
             <a:endParaRPr lang="en-US"/>
           </a:p>
@@ -2098,7 +2098,7 @@
           <a:p>
             <a:fld id="{75D42D30-EA87-4DC3-A5C3-B88A9A7EAA0D}" type="datetimeFigureOut">
               <a:rPr lang="en-US" smtClean="0"/>
-              <a:t>9/9/2025</a:t>
+              <a:t>9/28/2025</a:t>
             </a:fld>
             <a:endParaRPr lang="en-US"/>
           </a:p>
@@ -2355,7 +2355,7 @@
           <a:p>
             <a:fld id="{75D42D30-EA87-4DC3-A5C3-B88A9A7EAA0D}" type="datetimeFigureOut">
               <a:rPr lang="en-US" smtClean="0"/>
-              <a:t>9/9/2025</a:t>
+              <a:t>9/28/2025</a:t>
             </a:fld>
             <a:endParaRPr lang="en-US"/>
           </a:p>
@@ -2568,7 +2568,7 @@
           <a:p>
             <a:fld id="{75D42D30-EA87-4DC3-A5C3-B88A9A7EAA0D}" type="datetimeFigureOut">
               <a:rPr lang="en-US" smtClean="0"/>
-              <a:t>9/9/2025</a:t>
+              <a:t>9/28/2025</a:t>
             </a:fld>
             <a:endParaRPr lang="en-US"/>
           </a:p>
@@ -2975,10 +2975,10 @@
       </p:grpSpPr>
       <p:pic>
         <p:nvPicPr>
-          <p:cNvPr id="7" name="Picture 6" descr="A diagram of different colors&#10;&#10;AI-generated content may be incorrect.">
+          <p:cNvPr id="7" name="Picture 6" descr="A close-up of a color chart&#10;&#10;AI-generated content may be incorrect.">
             <a:extLst>
               <a:ext uri="{FF2B5EF4-FFF2-40B4-BE49-F238E27FC236}">
-                <a16:creationId xmlns:a16="http://schemas.microsoft.com/office/drawing/2014/main" id="{D3D87787-62AC-D25F-D51C-4093A7B3BAE9}"/>
+                <a16:creationId xmlns:a16="http://schemas.microsoft.com/office/drawing/2014/main" id="{645B59A5-7B2E-30AE-0E14-36AC975C17D9}"/>
               </a:ext>
             </a:extLst>
           </p:cNvPr>
@@ -3002,8 +3002,8 @@
         </p:blipFill>
         <p:spPr>
           <a:xfrm>
-            <a:off x="0" y="108396"/>
-            <a:ext cx="12068176" cy="3863529"/>
+            <a:off x="23247" y="112869"/>
+            <a:ext cx="12068176" cy="3863531"/>
           </a:xfrm>
           <a:prstGeom prst="rect">
             <a:avLst/>
@@ -3094,7 +3094,7 @@
         </p:nvSpPr>
         <p:spPr>
           <a:xfrm flipH="1">
-            <a:off x="8954644" y="-17979"/>
+            <a:off x="8923648" y="-64473"/>
             <a:ext cx="265176" cy="369332"/>
           </a:xfrm>
           <a:prstGeom prst="rect">
